--- a/App-PET-ite.pptx
+++ b/App-PET-ite.pptx
@@ -6253,6 +6253,60 @@
           </a:p>
         </p:txBody>
       </p:sp>
+      <p:sp>
+        <p:nvSpPr>
+          <p:cNvPr id="199" name="Rectangle 198">
+            <a:extLst>
+              <a:ext uri="{FF2B5EF4-FFF2-40B4-BE49-F238E27FC236}">
+                <a16:creationId xmlns:a16="http://schemas.microsoft.com/office/drawing/2014/main" id="{FFF09B15-5FF6-42D5-ADAF-E1699B58643F}"/>
+              </a:ext>
+            </a:extLst>
+          </p:cNvPr>
+          <p:cNvSpPr/>
+          <p:nvPr/>
+        </p:nvSpPr>
+        <p:spPr>
+          <a:xfrm>
+            <a:off x="7994623" y="3765558"/>
+            <a:ext cx="478541" cy="107458"/>
+          </a:xfrm>
+          <a:prstGeom prst="rect">
+            <a:avLst/>
+          </a:prstGeom>
+          <a:solidFill>
+            <a:schemeClr val="bg1"/>
+          </a:solidFill>
+          <a:ln>
+            <a:solidFill>
+              <a:schemeClr val="bg1"/>
+            </a:solidFill>
+          </a:ln>
+        </p:spPr>
+        <p:style>
+          <a:lnRef idx="2">
+            <a:schemeClr val="accent1">
+              <a:shade val="50000"/>
+            </a:schemeClr>
+          </a:lnRef>
+          <a:fillRef idx="1">
+            <a:schemeClr val="accent1"/>
+          </a:fillRef>
+          <a:effectRef idx="0">
+            <a:schemeClr val="accent1"/>
+          </a:effectRef>
+          <a:fontRef idx="minor">
+            <a:schemeClr val="lt1"/>
+          </a:fontRef>
+        </p:style>
+        <p:txBody>
+          <a:bodyPr rtlCol="0" anchor="ctr"/>
+          <a:lstStyle/>
+          <a:p>
+            <a:pPr algn="ctr"/>
+            <a:endParaRPr lang="en-GB"/>
+          </a:p>
+        </p:txBody>
+      </p:sp>
     </p:spTree>
     <p:extLst>
       <p:ext uri="{BB962C8B-B14F-4D97-AF65-F5344CB8AC3E}">
@@ -8433,6 +8487,114 @@
               </a:rPr>
               <a:t>Project Overview</a:t>
             </a:r>
+          </a:p>
+        </p:txBody>
+      </p:sp>
+      <p:sp>
+        <p:nvSpPr>
+          <p:cNvPr id="57" name="Rectangle 56">
+            <a:extLst>
+              <a:ext uri="{FF2B5EF4-FFF2-40B4-BE49-F238E27FC236}">
+                <a16:creationId xmlns:a16="http://schemas.microsoft.com/office/drawing/2014/main" id="{11CF4B0B-667F-4662-A06E-D6D13A2C0CCF}"/>
+              </a:ext>
+            </a:extLst>
+          </p:cNvPr>
+          <p:cNvSpPr/>
+          <p:nvPr/>
+        </p:nvSpPr>
+        <p:spPr>
+          <a:xfrm>
+            <a:off x="7967712" y="4202899"/>
+            <a:ext cx="478541" cy="107458"/>
+          </a:xfrm>
+          <a:prstGeom prst="rect">
+            <a:avLst/>
+          </a:prstGeom>
+          <a:solidFill>
+            <a:schemeClr val="bg1"/>
+          </a:solidFill>
+          <a:ln>
+            <a:solidFill>
+              <a:schemeClr val="bg1"/>
+            </a:solidFill>
+          </a:ln>
+        </p:spPr>
+        <p:style>
+          <a:lnRef idx="2">
+            <a:schemeClr val="accent1">
+              <a:shade val="50000"/>
+            </a:schemeClr>
+          </a:lnRef>
+          <a:fillRef idx="1">
+            <a:schemeClr val="accent1"/>
+          </a:fillRef>
+          <a:effectRef idx="0">
+            <a:schemeClr val="accent1"/>
+          </a:effectRef>
+          <a:fontRef idx="minor">
+            <a:schemeClr val="lt1"/>
+          </a:fontRef>
+        </p:style>
+        <p:txBody>
+          <a:bodyPr rtlCol="0" anchor="ctr"/>
+          <a:lstStyle/>
+          <a:p>
+            <a:pPr algn="ctr"/>
+            <a:endParaRPr lang="en-GB"/>
+          </a:p>
+        </p:txBody>
+      </p:sp>
+      <p:sp>
+        <p:nvSpPr>
+          <p:cNvPr id="58" name="Rectangle 57">
+            <a:extLst>
+              <a:ext uri="{FF2B5EF4-FFF2-40B4-BE49-F238E27FC236}">
+                <a16:creationId xmlns:a16="http://schemas.microsoft.com/office/drawing/2014/main" id="{1ACD7908-F644-44C5-8354-0D8DD568359C}"/>
+              </a:ext>
+            </a:extLst>
+          </p:cNvPr>
+          <p:cNvSpPr/>
+          <p:nvPr/>
+        </p:nvSpPr>
+        <p:spPr>
+          <a:xfrm>
+            <a:off x="8016296" y="4181636"/>
+            <a:ext cx="478541" cy="107458"/>
+          </a:xfrm>
+          <a:prstGeom prst="rect">
+            <a:avLst/>
+          </a:prstGeom>
+          <a:solidFill>
+            <a:schemeClr val="bg1"/>
+          </a:solidFill>
+          <a:ln>
+            <a:solidFill>
+              <a:schemeClr val="bg1"/>
+            </a:solidFill>
+          </a:ln>
+        </p:spPr>
+        <p:style>
+          <a:lnRef idx="2">
+            <a:schemeClr val="accent1">
+              <a:shade val="50000"/>
+            </a:schemeClr>
+          </a:lnRef>
+          <a:fillRef idx="1">
+            <a:schemeClr val="accent1"/>
+          </a:fillRef>
+          <a:effectRef idx="0">
+            <a:schemeClr val="accent1"/>
+          </a:effectRef>
+          <a:fontRef idx="minor">
+            <a:schemeClr val="lt1"/>
+          </a:fontRef>
+        </p:style>
+        <p:txBody>
+          <a:bodyPr rtlCol="0" anchor="ctr"/>
+          <a:lstStyle/>
+          <a:p>
+            <a:pPr algn="ctr"/>
+            <a:endParaRPr lang="en-GB"/>
           </a:p>
         </p:txBody>
       </p:sp>
